--- a/TetraPlex deck 0.51.pptx
+++ b/TetraPlex deck 0.51.pptx
@@ -116,7 +116,7 @@
   </p:defaultTextStyle>
   <p:extLst>
     <p:ext uri="{EFAFB233-063F-42B5-8137-9DF3F51BA10A}">
-      <p15:sldGuideLst xmlns:p15="http://schemas.microsoft.com/office/powerpoint/2012/main" xmlns=""/>
+      <p15:sldGuideLst xmlns="" xmlns:p15="http://schemas.microsoft.com/office/powerpoint/2012/main"/>
     </p:ext>
   </p:extLst>
 </p:presentation>
@@ -3955,7 +3955,7 @@
           <p:cNvPr id="3" name="Untertitel 2">
             <a:extLst>
               <a:ext uri="{FF2B5EF4-FFF2-40B4-BE49-F238E27FC236}">
-                <a16:creationId xmlns:a16="http://schemas.microsoft.com/office/drawing/2014/main" xmlns="" id="{66EAC223-604A-E53F-EADB-5FCF3F050425}"/>
+                <a16:creationId xmlns="" xmlns:a16="http://schemas.microsoft.com/office/drawing/2014/main" id="{66EAC223-604A-E53F-EADB-5FCF3F050425}"/>
               </a:ext>
             </a:extLst>
           </p:cNvPr>
@@ -3981,11 +3981,7 @@
             </a:r>
             <a:r>
               <a:rPr lang="de-DE" smtClean="0"/>
-              <a:t>.</a:t>
-            </a:r>
-            <a:r>
-              <a:rPr lang="de-DE" smtClean="0"/>
-              <a:t>51</a:t>
+              <a:t>.51</a:t>
             </a:r>
             <a:endParaRPr lang="de-DE" dirty="0"/>
           </a:p>
@@ -3996,7 +3992,7 @@
           <p:cNvPr id="4" name="Titel 1">
             <a:extLst>
               <a:ext uri="{FF2B5EF4-FFF2-40B4-BE49-F238E27FC236}">
-                <a16:creationId xmlns:a16="http://schemas.microsoft.com/office/drawing/2014/main" xmlns="" id="{6E2D7EFE-DAEF-D559-E079-BE2885CACD7B}"/>
+                <a16:creationId xmlns="" xmlns:a16="http://schemas.microsoft.com/office/drawing/2014/main" id="{6E2D7EFE-DAEF-D559-E079-BE2885CACD7B}"/>
               </a:ext>
             </a:extLst>
           </p:cNvPr>
@@ -4007,8 +4003,8 @@
         </p:nvSpPr>
         <p:spPr>
           <a:xfrm>
-            <a:off x="3881120" y="1463040"/>
-            <a:ext cx="8006080" cy="1828800"/>
+            <a:off x="4109720" y="1097280"/>
+            <a:ext cx="7366000" cy="1828800"/>
           </a:xfrm>
           <a:prstGeom prst="rect">
             <a:avLst/>
@@ -4079,8 +4075,8 @@
         </p:nvSpPr>
         <p:spPr>
           <a:xfrm>
-            <a:off x="3931920" y="3261360"/>
-            <a:ext cx="7406640" cy="1815882"/>
+            <a:off x="4343400" y="2788920"/>
+            <a:ext cx="7406640" cy="2554545"/>
           </a:xfrm>
           <a:prstGeom prst="rect">
             <a:avLst/>
@@ -4094,15 +4090,21 @@
           <a:lstStyle/>
           <a:p>
             <a:r>
-              <a:rPr lang="en-US" sz="2800" dirty="0" smtClean="0">
-                <a:latin typeface="Trebuchet MS" pitchFamily="34" charset="0"/>
-              </a:rPr>
-              <a:t>Promoting positive interactions online and </a:t>
-            </a:r>
-          </a:p>
-          <a:p>
-            <a:r>
-              <a:rPr lang="en-US" sz="2800" dirty="0" smtClean="0">
+              <a:rPr lang="en-US" sz="3200" dirty="0" smtClean="0">
+                <a:latin typeface="Trebuchet MS" pitchFamily="34" charset="0"/>
+              </a:rPr>
+              <a:t>Positive </a:t>
+            </a:r>
+            <a:r>
+              <a:rPr lang="en-US" sz="3200" dirty="0" smtClean="0">
+                <a:latin typeface="Trebuchet MS" pitchFamily="34" charset="0"/>
+              </a:rPr>
+              <a:t>interactions online </a:t>
+            </a:r>
+          </a:p>
+          <a:p>
+            <a:r>
+              <a:rPr lang="en-US" sz="3200" dirty="0" smtClean="0">
                 <a:latin typeface="Trebuchet MS" pitchFamily="34" charset="0"/>
               </a:rPr>
               <a:t>enhancing understanding between diverse communities and groups via civil discussions, debates and idea exchange.</a:t>
@@ -4126,8 +4128,8 @@
         </p:blipFill>
         <p:spPr>
           <a:xfrm>
-            <a:off x="472440" y="1905000"/>
-            <a:ext cx="3108960" cy="3108960"/>
+            <a:off x="381000" y="1584960"/>
+            <a:ext cx="3566160" cy="3566160"/>
           </a:xfrm>
           <a:prstGeom prst="rect">
             <a:avLst/>
@@ -4137,7 +4139,7 @@
     </p:spTree>
     <p:extLst>
       <p:ext uri="{BB962C8B-B14F-4D97-AF65-F5344CB8AC3E}">
-        <p14:creationId xmlns:p14="http://schemas.microsoft.com/office/powerpoint/2010/main" xmlns="" val="77256135"/>
+        <p14:creationId xmlns="" xmlns:p14="http://schemas.microsoft.com/office/powerpoint/2010/main" val="77256135"/>
       </p:ext>
     </p:extLst>
   </p:cSld>
@@ -4176,7 +4178,7 @@
           <p:cNvPr id="2" name="Titel 1">
             <a:extLst>
               <a:ext uri="{FF2B5EF4-FFF2-40B4-BE49-F238E27FC236}">
-                <a16:creationId xmlns:a16="http://schemas.microsoft.com/office/drawing/2014/main" xmlns="" id="{0E0F567F-A26B-3FB3-CCB2-26650C9159FD}"/>
+                <a16:creationId xmlns="" xmlns:a16="http://schemas.microsoft.com/office/drawing/2014/main" id="{0E0F567F-A26B-3FB3-CCB2-26650C9159FD}"/>
               </a:ext>
             </a:extLst>
           </p:cNvPr>
@@ -4205,7 +4207,7 @@
           <p:cNvPr id="3" name="Inhaltsplatzhalter 2">
             <a:extLst>
               <a:ext uri="{FF2B5EF4-FFF2-40B4-BE49-F238E27FC236}">
-                <a16:creationId xmlns:a16="http://schemas.microsoft.com/office/drawing/2014/main" xmlns="" id="{0C8E27EB-6D5D-FD5C-62B8-EF46AD9E1128}"/>
+                <a16:creationId xmlns="" xmlns:a16="http://schemas.microsoft.com/office/drawing/2014/main" id="{0C8E27EB-6D5D-FD5C-62B8-EF46AD9E1128}"/>
               </a:ext>
             </a:extLst>
           </p:cNvPr>
@@ -4216,10 +4218,125 @@
             <p:ph sz="quarter" idx="1"/>
           </p:nvPr>
         </p:nvSpPr>
-        <p:spPr/>
-        <p:txBody>
-          <a:bodyPr/>
-          <a:lstStyle/>
+        <p:spPr>
+          <a:xfrm>
+            <a:off x="877824" y="1889760"/>
+            <a:ext cx="10871200" cy="4495800"/>
+          </a:xfrm>
+        </p:spPr>
+        <p:txBody>
+          <a:bodyPr>
+            <a:normAutofit fontScale="77500" lnSpcReduction="20000"/>
+          </a:bodyPr>
+          <a:lstStyle/>
+          <a:p>
+            <a:pPr lvl="0">
+              <a:buNone/>
+              <a:defRPr/>
+            </a:pPr>
+            <a:r>
+              <a:rPr lang="en-US" sz="4800" dirty="0" smtClean="0">
+                <a:latin typeface="Trebuchet MS" pitchFamily="34" charset="0"/>
+              </a:rPr>
+              <a:t>B</a:t>
+            </a:r>
+            <a:r>
+              <a:rPr lang="en-US" sz="4800" dirty="0" smtClean="0">
+                <a:latin typeface="Trebuchet MS" pitchFamily="34" charset="0"/>
+              </a:rPr>
+              <a:t>uy </a:t>
+            </a:r>
+            <a:r>
+              <a:rPr lang="en-US" sz="4800" dirty="0" smtClean="0">
+                <a:latin typeface="Trebuchet MS" pitchFamily="34" charset="0"/>
+              </a:rPr>
+              <a:t>credits from our store with cash</a:t>
+            </a:r>
+          </a:p>
+          <a:p>
+            <a:pPr lvl="0">
+              <a:buNone/>
+              <a:defRPr/>
+            </a:pPr>
+            <a:endParaRPr lang="en-US" sz="4800" dirty="0" smtClean="0">
+              <a:latin typeface="Trebuchet MS" pitchFamily="34" charset="0"/>
+            </a:endParaRPr>
+          </a:p>
+          <a:p>
+            <a:pPr>
+              <a:buNone/>
+              <a:defRPr/>
+            </a:pPr>
+            <a:r>
+              <a:rPr lang="en-US" sz="4800" dirty="0" smtClean="0">
+                <a:latin typeface="Trebuchet MS" pitchFamily="34" charset="0"/>
+              </a:rPr>
+              <a:t>Set bounties with credits for tasks</a:t>
+            </a:r>
+          </a:p>
+          <a:p>
+            <a:pPr lvl="0">
+              <a:buNone/>
+              <a:defRPr/>
+            </a:pPr>
+            <a:endParaRPr lang="en-US" sz="4800" dirty="0" smtClean="0">
+              <a:latin typeface="Trebuchet MS" pitchFamily="34" charset="0"/>
+            </a:endParaRPr>
+          </a:p>
+          <a:p>
+            <a:pPr lvl="0">
+              <a:buNone/>
+              <a:defRPr/>
+            </a:pPr>
+            <a:r>
+              <a:rPr lang="en-US" sz="4800" dirty="0" smtClean="0">
+                <a:latin typeface="Trebuchet MS" pitchFamily="34" charset="0"/>
+              </a:rPr>
+              <a:t>Earn credits as reward for doing tasks for others</a:t>
+            </a:r>
+          </a:p>
+          <a:p>
+            <a:pPr lvl="0">
+              <a:buNone/>
+              <a:defRPr/>
+            </a:pPr>
+            <a:endParaRPr lang="en-US" sz="4800" dirty="0" smtClean="0">
+              <a:latin typeface="Trebuchet MS" pitchFamily="34" charset="0"/>
+            </a:endParaRPr>
+          </a:p>
+          <a:p>
+            <a:pPr lvl="0">
+              <a:buNone/>
+              <a:defRPr/>
+            </a:pPr>
+            <a:r>
+              <a:rPr lang="en-US" sz="4800" dirty="0" smtClean="0">
+                <a:latin typeface="Trebuchet MS" pitchFamily="34" charset="0"/>
+              </a:rPr>
+              <a:t>Use credits to direct development </a:t>
+            </a:r>
+            <a:endParaRPr lang="en-US" sz="4800" dirty="0" smtClean="0">
+              <a:latin typeface="Trebuchet MS" pitchFamily="34" charset="0"/>
+            </a:endParaRPr>
+          </a:p>
+          <a:p>
+            <a:pPr lvl="0">
+              <a:buNone/>
+              <a:defRPr/>
+            </a:pPr>
+            <a:r>
+              <a:rPr lang="en-US" sz="4800" dirty="0" smtClean="0">
+                <a:latin typeface="Trebuchet MS" pitchFamily="34" charset="0"/>
+              </a:rPr>
+              <a:t>of </a:t>
+            </a:r>
+            <a:r>
+              <a:rPr lang="en-US" sz="4800" dirty="0" smtClean="0">
+                <a:latin typeface="Trebuchet MS" pitchFamily="34" charset="0"/>
+              </a:rPr>
+              <a:t>Tetraplex itself</a:t>
+            </a:r>
+          </a:p>
           <a:p>
             <a:pPr lvl="0">
               <a:buNone/>
@@ -4230,90 +4347,6 @@
             </a:endParaRPr>
           </a:p>
           <a:p>
-            <a:pPr lvl="0">
-              <a:buNone/>
-              <a:defRPr/>
-            </a:pPr>
-            <a:r>
-              <a:rPr lang="en-US" dirty="0" smtClean="0">
-                <a:latin typeface="Trebuchet MS" pitchFamily="34" charset="0"/>
-              </a:rPr>
-              <a:t>Buy credits from our store with cash</a:t>
-            </a:r>
-          </a:p>
-          <a:p>
-            <a:pPr lvl="0">
-              <a:buNone/>
-              <a:defRPr/>
-            </a:pPr>
-            <a:endParaRPr lang="en-US" dirty="0" smtClean="0">
-              <a:latin typeface="Trebuchet MS" pitchFamily="34" charset="0"/>
-            </a:endParaRPr>
-          </a:p>
-          <a:p>
-            <a:pPr>
-              <a:buNone/>
-              <a:defRPr/>
-            </a:pPr>
-            <a:r>
-              <a:rPr lang="en-US" dirty="0" smtClean="0">
-                <a:latin typeface="Trebuchet MS" pitchFamily="34" charset="0"/>
-              </a:rPr>
-              <a:t>Set bounties with credits for tasks</a:t>
-            </a:r>
-          </a:p>
-          <a:p>
-            <a:pPr lvl="0">
-              <a:buNone/>
-              <a:defRPr/>
-            </a:pPr>
-            <a:endParaRPr lang="en-US" dirty="0" smtClean="0">
-              <a:latin typeface="Trebuchet MS" pitchFamily="34" charset="0"/>
-            </a:endParaRPr>
-          </a:p>
-          <a:p>
-            <a:pPr lvl="0">
-              <a:buNone/>
-              <a:defRPr/>
-            </a:pPr>
-            <a:r>
-              <a:rPr lang="en-US" dirty="0" smtClean="0">
-                <a:latin typeface="Trebuchet MS" pitchFamily="34" charset="0"/>
-              </a:rPr>
-              <a:t>Earn credits as reward for doing tasks for others</a:t>
-            </a:r>
-          </a:p>
-          <a:p>
-            <a:pPr lvl="0">
-              <a:buNone/>
-              <a:defRPr/>
-            </a:pPr>
-            <a:endParaRPr lang="en-US" dirty="0" smtClean="0">
-              <a:latin typeface="Trebuchet MS" pitchFamily="34" charset="0"/>
-            </a:endParaRPr>
-          </a:p>
-          <a:p>
-            <a:pPr lvl="0">
-              <a:buNone/>
-              <a:defRPr/>
-            </a:pPr>
-            <a:r>
-              <a:rPr lang="en-US" dirty="0" smtClean="0">
-                <a:latin typeface="Trebuchet MS" pitchFamily="34" charset="0"/>
-              </a:rPr>
-              <a:t>Use credits to direct development of Tetraplex itself</a:t>
-            </a:r>
-          </a:p>
-          <a:p>
-            <a:pPr lvl="0">
-              <a:buNone/>
-              <a:defRPr/>
-            </a:pPr>
-            <a:endParaRPr lang="en-US" dirty="0" smtClean="0">
-              <a:latin typeface="Trebuchet MS" pitchFamily="34" charset="0"/>
-            </a:endParaRPr>
-          </a:p>
-          <a:p>
             <a:pPr>
               <a:buNone/>
             </a:pPr>
@@ -4324,7 +4357,7 @@
     </p:spTree>
     <p:extLst>
       <p:ext uri="{BB962C8B-B14F-4D97-AF65-F5344CB8AC3E}">
-        <p14:creationId xmlns:p14="http://schemas.microsoft.com/office/powerpoint/2010/main" xmlns="" val="3625188337"/>
+        <p14:creationId xmlns="" xmlns:p14="http://schemas.microsoft.com/office/powerpoint/2010/main" val="3625188337"/>
       </p:ext>
     </p:extLst>
   </p:cSld>
@@ -4439,25 +4472,7 @@
               <a:rPr lang="en-US" dirty="0" smtClean="0">
                 <a:latin typeface="Trebuchet MS" pitchFamily="34" charset="0"/>
               </a:rPr>
-              <a:t>Say </a:t>
-            </a:r>
-            <a:r>
-              <a:rPr lang="en-US" dirty="0" smtClean="0">
-                <a:latin typeface="Trebuchet MS" pitchFamily="34" charset="0"/>
-              </a:rPr>
-              <a:t>no to </a:t>
-            </a:r>
-            <a:r>
-              <a:rPr lang="en-US" dirty="0" smtClean="0">
-                <a:latin typeface="Trebuchet MS" pitchFamily="34" charset="0"/>
-              </a:rPr>
-              <a:t>anti-social </a:t>
-            </a:r>
-            <a:r>
-              <a:rPr lang="en-US" dirty="0" smtClean="0">
-                <a:latin typeface="Trebuchet MS" pitchFamily="34" charset="0"/>
-              </a:rPr>
-              <a:t>ad based social networks</a:t>
+              <a:t>Say no to anti-social ad based social networks</a:t>
             </a:r>
           </a:p>
           <a:p>
@@ -4475,7 +4490,7 @@
               <a:defRPr/>
             </a:pPr>
             <a:r>
-              <a:rPr lang="en-US" dirty="0" smtClean="0">
+              <a:rPr lang="en-US" sz="6600" dirty="0" smtClean="0">
                 <a:latin typeface="Trebuchet MS" pitchFamily="34" charset="0"/>
               </a:rPr>
               <a:t>Say yes to Tetraplex </a:t>
@@ -4559,7 +4574,7 @@
           <p:cNvPr id="2" name="Titel 1">
             <a:extLst>
               <a:ext uri="{FF2B5EF4-FFF2-40B4-BE49-F238E27FC236}">
-                <a16:creationId xmlns:a16="http://schemas.microsoft.com/office/drawing/2014/main" xmlns="" id="{C21D459F-BF65-98A3-82FE-E681FB41ADC3}"/>
+                <a16:creationId xmlns="" xmlns:a16="http://schemas.microsoft.com/office/drawing/2014/main" id="{C21D459F-BF65-98A3-82FE-E681FB41ADC3}"/>
               </a:ext>
             </a:extLst>
           </p:cNvPr>
@@ -4590,7 +4605,7 @@
           <p:cNvPr id="3" name="Inhaltsplatzhalter 2">
             <a:extLst>
               <a:ext uri="{FF2B5EF4-FFF2-40B4-BE49-F238E27FC236}">
-                <a16:creationId xmlns:a16="http://schemas.microsoft.com/office/drawing/2014/main" xmlns="" id="{75E8FA1C-5EA9-21B0-E50C-8ECC1B166C3E}"/>
+                <a16:creationId xmlns="" xmlns:a16="http://schemas.microsoft.com/office/drawing/2014/main" id="{75E8FA1C-5EA9-21B0-E50C-8ECC1B166C3E}"/>
               </a:ext>
             </a:extLst>
           </p:cNvPr>
@@ -4601,7 +4616,12 @@
             <p:ph sz="quarter" idx="1"/>
           </p:nvPr>
         </p:nvSpPr>
-        <p:spPr/>
+        <p:spPr>
+          <a:xfrm>
+            <a:off x="1188720" y="1920240"/>
+            <a:ext cx="10500360" cy="4937760"/>
+          </a:xfrm>
+        </p:spPr>
         <p:txBody>
           <a:bodyPr>
             <a:normAutofit/>
@@ -4611,6 +4631,103 @@
             <a:pPr>
               <a:buNone/>
             </a:pPr>
+            <a:r>
+              <a:rPr lang="de-DE" sz="4400" dirty="0" smtClean="0">
+                <a:latin typeface="Trebuchet MS" pitchFamily="34" charset="0"/>
+              </a:rPr>
+              <a:t>Social </a:t>
+            </a:r>
+            <a:r>
+              <a:rPr lang="de-DE" sz="4400" dirty="0" smtClean="0">
+                <a:latin typeface="Trebuchet MS" pitchFamily="34" charset="0"/>
+              </a:rPr>
+              <a:t>Media have become toxic </a:t>
+            </a:r>
+            <a:endParaRPr lang="de-DE" sz="4400" dirty="0" smtClean="0">
+              <a:latin typeface="Trebuchet MS" pitchFamily="34" charset="0"/>
+            </a:endParaRPr>
+          </a:p>
+          <a:p>
+            <a:pPr>
+              <a:buNone/>
+            </a:pPr>
+            <a:r>
+              <a:rPr lang="de-DE" sz="4400" dirty="0" smtClean="0">
+                <a:latin typeface="Trebuchet MS" pitchFamily="34" charset="0"/>
+              </a:rPr>
+              <a:t>maybe </a:t>
+            </a:r>
+            <a:r>
+              <a:rPr lang="de-DE" sz="4400" dirty="0" smtClean="0">
+                <a:latin typeface="Trebuchet MS" pitchFamily="34" charset="0"/>
+              </a:rPr>
+              <a:t>anti social at times</a:t>
+            </a:r>
+          </a:p>
+          <a:p>
+            <a:pPr>
+              <a:buNone/>
+            </a:pPr>
+            <a:endParaRPr lang="de-DE" sz="4400" dirty="0" smtClean="0">
+              <a:latin typeface="Trebuchet MS" pitchFamily="34" charset="0"/>
+            </a:endParaRPr>
+          </a:p>
+          <a:p>
+            <a:pPr>
+              <a:buNone/>
+            </a:pPr>
+            <a:r>
+              <a:rPr lang="de-DE" sz="4400" dirty="0" smtClean="0">
+                <a:latin typeface="Trebuchet MS" pitchFamily="34" charset="0"/>
+              </a:rPr>
+              <a:t>No </a:t>
+            </a:r>
+            <a:r>
+              <a:rPr lang="de-DE" sz="4400" dirty="0" smtClean="0">
+                <a:latin typeface="Trebuchet MS" pitchFamily="34" charset="0"/>
+              </a:rPr>
+              <a:t>mainstream</a:t>
+            </a:r>
+            <a:r>
+              <a:rPr lang="de-DE" sz="4400" dirty="0" smtClean="0">
+                <a:latin typeface="Trebuchet MS" pitchFamily="34" charset="0"/>
+              </a:rPr>
+              <a:t> </a:t>
+            </a:r>
+            <a:r>
+              <a:rPr lang="de-DE" sz="4400" dirty="0" smtClean="0">
+                <a:latin typeface="Trebuchet MS" pitchFamily="34" charset="0"/>
+              </a:rPr>
+              <a:t>platform for civil </a:t>
+            </a:r>
+            <a:r>
+              <a:rPr lang="de-DE" sz="4400" dirty="0" smtClean="0">
+                <a:latin typeface="Trebuchet MS" pitchFamily="34" charset="0"/>
+              </a:rPr>
+              <a:t>debate</a:t>
+            </a:r>
+          </a:p>
+          <a:p>
+            <a:pPr>
+              <a:buNone/>
+            </a:pPr>
+            <a:r>
+              <a:rPr lang="de-DE" sz="4400" dirty="0" smtClean="0">
+                <a:latin typeface="Trebuchet MS" pitchFamily="34" charset="0"/>
+              </a:rPr>
+              <a:t>and </a:t>
+            </a:r>
+            <a:r>
+              <a:rPr lang="de-DE" sz="4400" dirty="0" smtClean="0">
+                <a:latin typeface="Trebuchet MS" pitchFamily="34" charset="0"/>
+              </a:rPr>
+              <a:t>idea generation</a:t>
+            </a:r>
+          </a:p>
+          <a:p>
+            <a:pPr>
+              <a:buNone/>
+            </a:pPr>
             <a:endParaRPr lang="de-DE" dirty="0" smtClean="0">
               <a:latin typeface="Trebuchet MS" pitchFamily="34" charset="0"/>
             </a:endParaRPr>
@@ -4624,77 +4741,11 @@
             </a:endParaRPr>
           </a:p>
           <a:p>
-            <a:pPr>
-              <a:buNone/>
-            </a:pPr>
             <a:endParaRPr lang="de-DE" dirty="0" smtClean="0">
               <a:latin typeface="Trebuchet MS" pitchFamily="34" charset="0"/>
             </a:endParaRPr>
           </a:p>
           <a:p>
-            <a:pPr>
-              <a:buNone/>
-            </a:pPr>
-            <a:r>
-              <a:rPr lang="de-DE" dirty="0" smtClean="0">
-                <a:latin typeface="Trebuchet MS" pitchFamily="34" charset="0"/>
-              </a:rPr>
-              <a:t>Social Media have become toxic and </a:t>
-            </a:r>
-            <a:r>
-              <a:rPr lang="de-DE" dirty="0" smtClean="0">
-                <a:latin typeface="Trebuchet MS" pitchFamily="34" charset="0"/>
-              </a:rPr>
-              <a:t>maybe anti </a:t>
-            </a:r>
-            <a:r>
-              <a:rPr lang="de-DE" dirty="0" smtClean="0">
-                <a:latin typeface="Trebuchet MS" pitchFamily="34" charset="0"/>
-              </a:rPr>
-              <a:t>social at times</a:t>
-            </a:r>
-          </a:p>
-          <a:p>
-            <a:pPr>
-              <a:buNone/>
-            </a:pPr>
-            <a:endParaRPr lang="de-DE" dirty="0" smtClean="0">
-              <a:latin typeface="Trebuchet MS" pitchFamily="34" charset="0"/>
-            </a:endParaRPr>
-          </a:p>
-          <a:p>
-            <a:pPr>
-              <a:buNone/>
-            </a:pPr>
-            <a:r>
-              <a:rPr lang="de-DE" dirty="0" smtClean="0">
-                <a:latin typeface="Trebuchet MS" pitchFamily="34" charset="0"/>
-              </a:rPr>
-              <a:t>No widespread platform for civil debate and idea generation</a:t>
-            </a:r>
-          </a:p>
-          <a:p>
-            <a:pPr>
-              <a:buNone/>
-            </a:pPr>
-            <a:endParaRPr lang="de-DE" dirty="0" smtClean="0">
-              <a:latin typeface="Trebuchet MS" pitchFamily="34" charset="0"/>
-            </a:endParaRPr>
-          </a:p>
-          <a:p>
-            <a:pPr>
-              <a:buNone/>
-            </a:pPr>
-            <a:endParaRPr lang="de-DE" dirty="0" smtClean="0">
-              <a:latin typeface="Trebuchet MS" pitchFamily="34" charset="0"/>
-            </a:endParaRPr>
-          </a:p>
-          <a:p>
-            <a:endParaRPr lang="de-DE" dirty="0" smtClean="0">
-              <a:latin typeface="Trebuchet MS" pitchFamily="34" charset="0"/>
-            </a:endParaRPr>
-          </a:p>
-          <a:p>
             <a:endParaRPr lang="de-DE" dirty="0">
               <a:latin typeface="Trebuchet MS" pitchFamily="34" charset="0"/>
             </a:endParaRPr>
@@ -4704,7 +4755,7 @@
     </p:spTree>
     <p:extLst>
       <p:ext uri="{BB962C8B-B14F-4D97-AF65-F5344CB8AC3E}">
-        <p14:creationId xmlns:p14="http://schemas.microsoft.com/office/powerpoint/2010/main" xmlns="" val="3190174708"/>
+        <p14:creationId xmlns="" xmlns:p14="http://schemas.microsoft.com/office/powerpoint/2010/main" val="3190174708"/>
       </p:ext>
     </p:extLst>
   </p:cSld>
@@ -4743,7 +4794,7 @@
           <p:cNvPr id="2" name="Titel 1">
             <a:extLst>
               <a:ext uri="{FF2B5EF4-FFF2-40B4-BE49-F238E27FC236}">
-                <a16:creationId xmlns:a16="http://schemas.microsoft.com/office/drawing/2014/main" xmlns="" id="{C21D459F-BF65-98A3-82FE-E681FB41ADC3}"/>
+                <a16:creationId xmlns="" xmlns:a16="http://schemas.microsoft.com/office/drawing/2014/main" id="{C21D459F-BF65-98A3-82FE-E681FB41ADC3}"/>
               </a:ext>
             </a:extLst>
           </p:cNvPr>
@@ -4786,7 +4837,9 @@
           </a:xfrm>
         </p:spPr>
         <p:txBody>
-          <a:bodyPr/>
+          <a:bodyPr>
+            <a:normAutofit fontScale="85000" lnSpcReduction="20000"/>
+          </a:bodyPr>
           <a:lstStyle/>
           <a:p>
             <a:pPr>
@@ -4800,7 +4853,7 @@
             <a:pPr>
               <a:buNone/>
             </a:pPr>
-            <a:endParaRPr lang="de-DE" dirty="0" smtClean="0">
+            <a:endParaRPr lang="de-DE" sz="3600" dirty="0" smtClean="0">
               <a:latin typeface="Trebuchet MS" pitchFamily="34" charset="0"/>
             </a:endParaRPr>
           </a:p>
@@ -4809,7 +4862,7 @@
               <a:buNone/>
             </a:pPr>
             <a:r>
-              <a:rPr lang="de-DE" dirty="0" smtClean="0">
+              <a:rPr lang="de-DE" sz="4300" dirty="0" smtClean="0">
                 <a:latin typeface="Trebuchet MS" pitchFamily="34" charset="0"/>
               </a:rPr>
               <a:t>Too much anonymity leads to bad behavior online</a:t>
@@ -4819,7 +4872,7 @@
             <a:pPr>
               <a:buNone/>
             </a:pPr>
-            <a:endParaRPr lang="de-DE" dirty="0" smtClean="0">
+            <a:endParaRPr lang="de-DE" sz="4300" dirty="0" smtClean="0">
               <a:latin typeface="Trebuchet MS" pitchFamily="34" charset="0"/>
             </a:endParaRPr>
           </a:p>
@@ -4828,17 +4881,46 @@
               <a:buNone/>
             </a:pPr>
             <a:r>
-              <a:rPr lang="de-DE" dirty="0" smtClean="0">
-                <a:latin typeface="Trebuchet MS" pitchFamily="34" charset="0"/>
-              </a:rPr>
-              <a:t>Too little anonymity isn‘t optimal either as it limits discussion</a:t>
+              <a:rPr lang="de-DE" sz="4300" dirty="0" smtClean="0">
+                <a:latin typeface="Trebuchet MS" pitchFamily="34" charset="0"/>
+              </a:rPr>
+              <a:t>Too little anonymity isn‘t </a:t>
+            </a:r>
+            <a:r>
+              <a:rPr lang="de-DE" sz="4300" dirty="0" smtClean="0">
+                <a:latin typeface="Trebuchet MS" pitchFamily="34" charset="0"/>
+              </a:rPr>
+              <a:t>good</a:t>
+            </a:r>
+            <a:r>
+              <a:rPr lang="de-DE" sz="4300" dirty="0" smtClean="0">
+                <a:latin typeface="Trebuchet MS" pitchFamily="34" charset="0"/>
+              </a:rPr>
+              <a:t> either </a:t>
             </a:r>
           </a:p>
           <a:p>
             <a:pPr>
               <a:buNone/>
             </a:pPr>
-            <a:endParaRPr lang="de-DE" dirty="0" smtClean="0">
+            <a:r>
+              <a:rPr lang="de-DE" sz="4300" dirty="0" smtClean="0">
+                <a:latin typeface="Trebuchet MS" pitchFamily="34" charset="0"/>
+              </a:rPr>
+              <a:t>it </a:t>
+            </a:r>
+            <a:r>
+              <a:rPr lang="de-DE" sz="4300" dirty="0" smtClean="0">
+                <a:latin typeface="Trebuchet MS" pitchFamily="34" charset="0"/>
+              </a:rPr>
+              <a:t>limits discussion</a:t>
+            </a:r>
+          </a:p>
+          <a:p>
+            <a:pPr>
+              <a:buNone/>
+            </a:pPr>
+            <a:endParaRPr lang="de-DE" sz="4300" dirty="0" smtClean="0">
               <a:latin typeface="Trebuchet MS" pitchFamily="34" charset="0"/>
             </a:endParaRPr>
           </a:p>
@@ -4847,11 +4929,32 @@
               <a:buNone/>
             </a:pPr>
             <a:r>
-              <a:rPr lang="de-DE" dirty="0" smtClean="0">
-                <a:latin typeface="Trebuchet MS" pitchFamily="34" charset="0"/>
-              </a:rPr>
-              <a:t>We need a synthesis of opposites that wont lead to a paradox</a:t>
-            </a:r>
+              <a:rPr lang="de-DE" sz="4300" dirty="0" smtClean="0">
+                <a:latin typeface="Trebuchet MS" pitchFamily="34" charset="0"/>
+              </a:rPr>
+              <a:t>N</a:t>
+            </a:r>
+            <a:r>
+              <a:rPr lang="de-DE" sz="4300" dirty="0" smtClean="0">
+                <a:latin typeface="Trebuchet MS" pitchFamily="34" charset="0"/>
+              </a:rPr>
+              <a:t>eed </a:t>
+            </a:r>
+            <a:r>
+              <a:rPr lang="de-DE" sz="4300" dirty="0" smtClean="0">
+                <a:latin typeface="Trebuchet MS" pitchFamily="34" charset="0"/>
+              </a:rPr>
+              <a:t>a synthesis of </a:t>
+            </a:r>
+            <a:r>
+              <a:rPr lang="de-DE" sz="4300" dirty="0" smtClean="0">
+                <a:latin typeface="Trebuchet MS" pitchFamily="34" charset="0"/>
+              </a:rPr>
+              <a:t>opposites</a:t>
+            </a:r>
+            <a:endParaRPr lang="de-DE" sz="4300" dirty="0" smtClean="0">
+              <a:latin typeface="Trebuchet MS" pitchFamily="34" charset="0"/>
+            </a:endParaRPr>
           </a:p>
           <a:p>
             <a:pPr>
@@ -4864,7 +4967,7 @@
     </p:spTree>
     <p:extLst>
       <p:ext uri="{BB962C8B-B14F-4D97-AF65-F5344CB8AC3E}">
-        <p14:creationId xmlns:p14="http://schemas.microsoft.com/office/powerpoint/2010/main" xmlns="" val="3230060305"/>
+        <p14:creationId xmlns="" xmlns:p14="http://schemas.microsoft.com/office/powerpoint/2010/main" val="3230060305"/>
       </p:ext>
     </p:extLst>
   </p:cSld>
@@ -4939,7 +5042,7 @@
         </p:spPr>
         <p:txBody>
           <a:bodyPr>
-            <a:normAutofit fontScale="92500" lnSpcReduction="20000"/>
+            <a:normAutofit fontScale="92500" lnSpcReduction="10000"/>
           </a:bodyPr>
           <a:lstStyle/>
           <a:p>
@@ -4955,7 +5058,7 @@
               <a:buNone/>
             </a:pPr>
             <a:r>
-              <a:rPr lang="de-DE" dirty="0" smtClean="0">
+              <a:rPr lang="de-DE" sz="3500" dirty="0" smtClean="0">
                 <a:latin typeface="Trebuchet MS" pitchFamily="34" charset="0"/>
               </a:rPr>
               <a:t>Social media trolls get promoted due to ad based revenue</a:t>
@@ -4965,7 +5068,7 @@
             <a:pPr>
               <a:buNone/>
             </a:pPr>
-            <a:endParaRPr lang="de-DE" dirty="0" smtClean="0">
+            <a:endParaRPr lang="de-DE" sz="3500" dirty="0" smtClean="0">
               <a:latin typeface="Trebuchet MS" pitchFamily="34" charset="0"/>
             </a:endParaRPr>
           </a:p>
@@ -4974,17 +5077,29 @@
               <a:buNone/>
             </a:pPr>
             <a:r>
-              <a:rPr lang="de-DE" dirty="0" smtClean="0">
-                <a:latin typeface="Trebuchet MS" pitchFamily="34" charset="0"/>
-              </a:rPr>
-              <a:t>We need not to be sold off to corporations as mere eyeballs</a:t>
+              <a:rPr lang="de-DE" sz="3500" dirty="0" smtClean="0">
+                <a:latin typeface="Trebuchet MS" pitchFamily="34" charset="0"/>
+              </a:rPr>
+              <a:t>We need not to be sold off to corporations </a:t>
+            </a:r>
+            <a:r>
+              <a:rPr lang="de-DE" sz="3500" dirty="0" smtClean="0">
+                <a:latin typeface="Trebuchet MS" pitchFamily="34" charset="0"/>
+              </a:rPr>
+              <a:t>as </a:t>
+            </a:r>
+            <a:r>
+              <a:rPr lang="de-DE" sz="3500" dirty="0" smtClean="0">
+                <a:latin typeface="Trebuchet MS" pitchFamily="34" charset="0"/>
+              </a:rPr>
+              <a:t>eyeballs</a:t>
             </a:r>
           </a:p>
           <a:p>
             <a:pPr>
               <a:buNone/>
             </a:pPr>
-            <a:endParaRPr lang="de-DE" dirty="0" smtClean="0">
+            <a:endParaRPr lang="de-DE" sz="3500" dirty="0" smtClean="0">
               <a:latin typeface="Trebuchet MS" pitchFamily="34" charset="0"/>
             </a:endParaRPr>
           </a:p>
@@ -4993,7 +5108,7 @@
               <a:buNone/>
             </a:pPr>
             <a:r>
-              <a:rPr lang="de-DE" dirty="0" smtClean="0">
+              <a:rPr lang="de-DE" sz="3500" dirty="0" smtClean="0">
                 <a:latin typeface="Trebuchet MS" pitchFamily="34" charset="0"/>
               </a:rPr>
               <a:t>We should have agency as to what ads we want to see</a:t>
@@ -5003,7 +5118,7 @@
             <a:pPr>
               <a:buNone/>
             </a:pPr>
-            <a:endParaRPr lang="de-DE" dirty="0" smtClean="0">
+            <a:endParaRPr lang="de-DE" sz="3500" dirty="0" smtClean="0">
               <a:latin typeface="Trebuchet MS" pitchFamily="34" charset="0"/>
             </a:endParaRPr>
           </a:p>
@@ -5012,29 +5127,22 @@
               <a:buNone/>
             </a:pPr>
             <a:r>
-              <a:rPr lang="de-DE" dirty="0" smtClean="0">
+              <a:rPr lang="de-DE" sz="3500" dirty="0" smtClean="0">
                 <a:latin typeface="Trebuchet MS" pitchFamily="34" charset="0"/>
               </a:rPr>
               <a:t>Untargeted ads = noise </a:t>
             </a:r>
-          </a:p>
-          <a:p>
-            <a:pPr>
-              <a:buNone/>
-            </a:pPr>
-            <a:endParaRPr lang="de-DE" dirty="0" smtClean="0">
-              <a:latin typeface="Trebuchet MS" pitchFamily="34" charset="0"/>
-            </a:endParaRPr>
-          </a:p>
-          <a:p>
-            <a:pPr>
-              <a:buNone/>
-            </a:pPr>
-            <a:r>
-              <a:rPr lang="de-DE" dirty="0" smtClean="0">
-                <a:latin typeface="Trebuchet MS" pitchFamily="34" charset="0"/>
-              </a:rPr>
-              <a:t>Good ads = signal</a:t>
+            <a:r>
+              <a:rPr lang="de-DE" sz="3500" dirty="0" smtClean="0">
+                <a:latin typeface="Trebuchet MS" pitchFamily="34" charset="0"/>
+              </a:rPr>
+              <a:t>  /   Good </a:t>
+            </a:r>
+            <a:r>
+              <a:rPr lang="de-DE" sz="3500" dirty="0" smtClean="0">
+                <a:latin typeface="Trebuchet MS" pitchFamily="34" charset="0"/>
+              </a:rPr>
+              <a:t>ads = signal</a:t>
             </a:r>
           </a:p>
           <a:p>
@@ -5098,7 +5206,7 @@
           <p:cNvPr id="2" name="Titel 1">
             <a:extLst>
               <a:ext uri="{FF2B5EF4-FFF2-40B4-BE49-F238E27FC236}">
-                <a16:creationId xmlns:a16="http://schemas.microsoft.com/office/drawing/2014/main" xmlns="" id="{104ADDBE-2857-21DF-31CF-75966D662895}"/>
+                <a16:creationId xmlns="" xmlns:a16="http://schemas.microsoft.com/office/drawing/2014/main" id="{104ADDBE-2857-21DF-31CF-75966D662895}"/>
               </a:ext>
             </a:extLst>
           </p:cNvPr>
@@ -5134,10 +5242,15 @@
             <p:ph sz="quarter" idx="1"/>
           </p:nvPr>
         </p:nvSpPr>
-        <p:spPr/>
+        <p:spPr>
+          <a:xfrm>
+            <a:off x="1320800" y="1691640"/>
+            <a:ext cx="10871200" cy="4495800"/>
+          </a:xfrm>
+        </p:spPr>
         <p:txBody>
           <a:bodyPr>
-            <a:normAutofit/>
+            <a:normAutofit fontScale="62500" lnSpcReduction="20000"/>
           </a:bodyPr>
           <a:lstStyle/>
           <a:p>
@@ -5161,16 +5274,83 @@
               <a:buNone/>
             </a:pPr>
             <a:r>
-              <a:rPr lang="en-US" dirty="0" smtClean="0">
-                <a:latin typeface="Trebuchet MS" pitchFamily="34" charset="0"/>
-              </a:rPr>
-              <a:t>Semi-anonymous </a:t>
-            </a:r>
-            <a:r>
-              <a:rPr lang="en-US" dirty="0" smtClean="0">
-                <a:latin typeface="Trebuchet MS" pitchFamily="34" charset="0"/>
-              </a:rPr>
-              <a:t>social network with a karma system</a:t>
+              <a:rPr lang="en-US" sz="7100" dirty="0" smtClean="0">
+                <a:latin typeface="Trebuchet MS" pitchFamily="34" charset="0"/>
+              </a:rPr>
+              <a:t>Semi-anonymous social </a:t>
+            </a:r>
+            <a:r>
+              <a:rPr lang="en-US" sz="7100" dirty="0" smtClean="0">
+                <a:latin typeface="Trebuchet MS" pitchFamily="34" charset="0"/>
+              </a:rPr>
+              <a:t>network</a:t>
+            </a:r>
+          </a:p>
+          <a:p>
+            <a:pPr>
+              <a:buNone/>
+            </a:pPr>
+            <a:r>
+              <a:rPr lang="en-US" sz="7100" dirty="0" smtClean="0">
+                <a:latin typeface="Trebuchet MS" pitchFamily="34" charset="0"/>
+              </a:rPr>
+              <a:t>with </a:t>
+            </a:r>
+            <a:r>
+              <a:rPr lang="en-US" sz="7100" dirty="0" smtClean="0">
+                <a:latin typeface="Trebuchet MS" pitchFamily="34" charset="0"/>
+              </a:rPr>
+              <a:t>a karma system</a:t>
+            </a:r>
+          </a:p>
+          <a:p>
+            <a:pPr>
+              <a:buNone/>
+            </a:pPr>
+            <a:endParaRPr lang="en-US" sz="7100" dirty="0" smtClean="0">
+              <a:latin typeface="Trebuchet MS" pitchFamily="34" charset="0"/>
+            </a:endParaRPr>
+          </a:p>
+          <a:p>
+            <a:pPr>
+              <a:buNone/>
+            </a:pPr>
+            <a:r>
+              <a:rPr lang="en-US" sz="7100" dirty="0" smtClean="0">
+                <a:latin typeface="Trebuchet MS" pitchFamily="34" charset="0"/>
+              </a:rPr>
+              <a:t>Karma promotes pro-social behavior</a:t>
+            </a:r>
+          </a:p>
+          <a:p>
+            <a:pPr>
+              <a:buNone/>
+            </a:pPr>
+            <a:endParaRPr lang="en-US" sz="7100" dirty="0" smtClean="0">
+              <a:latin typeface="Trebuchet MS" pitchFamily="34" charset="0"/>
+            </a:endParaRPr>
+          </a:p>
+          <a:p>
+            <a:pPr>
+              <a:buNone/>
+            </a:pPr>
+            <a:r>
+              <a:rPr lang="en-US" sz="7100" dirty="0" smtClean="0">
+                <a:latin typeface="Trebuchet MS" pitchFamily="34" charset="0"/>
+              </a:rPr>
+              <a:t>Reward </a:t>
+            </a:r>
+            <a:r>
+              <a:rPr lang="en-US" sz="7100" dirty="0" smtClean="0">
+                <a:latin typeface="Trebuchet MS" pitchFamily="34" charset="0"/>
+              </a:rPr>
+              <a:t>good </a:t>
+            </a:r>
+            <a:r>
+              <a:rPr lang="en-US" sz="7100" dirty="0" smtClean="0">
+                <a:latin typeface="Trebuchet MS" pitchFamily="34" charset="0"/>
+              </a:rPr>
+              <a:t>behavior with karma</a:t>
             </a:r>
           </a:p>
           <a:p>
@@ -5181,62 +5361,12 @@
               <a:latin typeface="Trebuchet MS" pitchFamily="34" charset="0"/>
             </a:endParaRPr>
           </a:p>
-          <a:p>
-            <a:pPr>
-              <a:buNone/>
-            </a:pPr>
-            <a:r>
-              <a:rPr lang="en-US" dirty="0" smtClean="0">
-                <a:latin typeface="Trebuchet MS" pitchFamily="34" charset="0"/>
-              </a:rPr>
-              <a:t>Karma promotes </a:t>
-            </a:r>
-            <a:r>
-              <a:rPr lang="en-US" dirty="0" smtClean="0">
-                <a:latin typeface="Trebuchet MS" pitchFamily="34" charset="0"/>
-              </a:rPr>
-              <a:t>pro-social </a:t>
-            </a:r>
-            <a:r>
-              <a:rPr lang="en-US" dirty="0" smtClean="0">
-                <a:latin typeface="Trebuchet MS" pitchFamily="34" charset="0"/>
-              </a:rPr>
-              <a:t>behavior</a:t>
-            </a:r>
-          </a:p>
-          <a:p>
-            <a:pPr>
-              <a:buNone/>
-            </a:pPr>
-            <a:endParaRPr lang="en-US" dirty="0" smtClean="0">
-              <a:latin typeface="Trebuchet MS" pitchFamily="34" charset="0"/>
-            </a:endParaRPr>
-          </a:p>
-          <a:p>
-            <a:pPr>
-              <a:buNone/>
-            </a:pPr>
-            <a:r>
-              <a:rPr lang="en-US" dirty="0" smtClean="0">
-                <a:latin typeface="Trebuchet MS" pitchFamily="34" charset="0"/>
-              </a:rPr>
-              <a:t>Reward others for good behavior with karma</a:t>
-            </a:r>
-          </a:p>
-          <a:p>
-            <a:pPr>
-              <a:buNone/>
-            </a:pPr>
-            <a:endParaRPr lang="en-US" dirty="0" smtClean="0">
-              <a:latin typeface="Trebuchet MS" pitchFamily="34" charset="0"/>
-            </a:endParaRPr>
-          </a:p>
         </p:txBody>
       </p:sp>
     </p:spTree>
     <p:extLst>
       <p:ext uri="{BB962C8B-B14F-4D97-AF65-F5344CB8AC3E}">
-        <p14:creationId xmlns:p14="http://schemas.microsoft.com/office/powerpoint/2010/main" xmlns="" val="3351770822"/>
+        <p14:creationId xmlns="" xmlns:p14="http://schemas.microsoft.com/office/powerpoint/2010/main" val="3351770822"/>
       </p:ext>
     </p:extLst>
   </p:cSld>
@@ -5275,7 +5405,7 @@
           <p:cNvPr id="2" name="Titel 1">
             <a:extLst>
               <a:ext uri="{FF2B5EF4-FFF2-40B4-BE49-F238E27FC236}">
-                <a16:creationId xmlns:a16="http://schemas.microsoft.com/office/drawing/2014/main" xmlns="" id="{D08A566F-4CA9-F7DF-ECEB-910A88862795}"/>
+                <a16:creationId xmlns="" xmlns:a16="http://schemas.microsoft.com/office/drawing/2014/main" id="{D08A566F-4CA9-F7DF-ECEB-910A88862795}"/>
               </a:ext>
             </a:extLst>
           </p:cNvPr>
@@ -5306,7 +5436,7 @@
           <p:cNvPr id="13" name="Inhaltsplatzhalter 2">
             <a:extLst>
               <a:ext uri="{FF2B5EF4-FFF2-40B4-BE49-F238E27FC236}">
-                <a16:creationId xmlns:a16="http://schemas.microsoft.com/office/drawing/2014/main" xmlns="" id="{FAC69121-968E-B939-3377-5335E9638EE8}"/>
+                <a16:creationId xmlns="" xmlns:a16="http://schemas.microsoft.com/office/drawing/2014/main" id="{FAC69121-968E-B939-3377-5335E9638EE8}"/>
               </a:ext>
             </a:extLst>
           </p:cNvPr>
@@ -5324,13 +5454,32 @@
           </a:xfrm>
         </p:spPr>
         <p:txBody>
-          <a:bodyPr/>
+          <a:bodyPr>
+            <a:noAutofit/>
+          </a:bodyPr>
           <a:lstStyle/>
           <a:p>
             <a:pPr>
               <a:buNone/>
             </a:pPr>
-            <a:endParaRPr lang="en-US" dirty="0" smtClean="0">
+            <a:r>
+              <a:rPr lang="en-US" sz="3200" dirty="0" smtClean="0">
+                <a:latin typeface="Trebuchet MS" pitchFamily="34" charset="0"/>
+              </a:rPr>
+              <a:t>We </a:t>
+            </a:r>
+            <a:r>
+              <a:rPr lang="en-US" sz="3200" dirty="0" smtClean="0">
+                <a:latin typeface="Trebuchet MS" pitchFamily="34" charset="0"/>
+              </a:rPr>
+              <a:t>make it possible to have anonymity via the veil</a:t>
+            </a:r>
+          </a:p>
+          <a:p>
+            <a:pPr>
+              <a:buNone/>
+            </a:pPr>
+            <a:endParaRPr lang="en-US" sz="3200" dirty="0" smtClean="0">
               <a:latin typeface="Trebuchet MS" pitchFamily="34" charset="0"/>
             </a:endParaRPr>
           </a:p>
@@ -5339,17 +5488,17 @@
               <a:buNone/>
             </a:pPr>
             <a:r>
-              <a:rPr lang="en-US" dirty="0" smtClean="0">
-                <a:latin typeface="Trebuchet MS" pitchFamily="34" charset="0"/>
-              </a:rPr>
-              <a:t>We make it possible to have anonymity via the veil</a:t>
+              <a:rPr lang="en-US" sz="3200" dirty="0" smtClean="0">
+                <a:latin typeface="Trebuchet MS" pitchFamily="34" charset="0"/>
+              </a:rPr>
+              <a:t>The veil can be taken off when we need strong identity</a:t>
             </a:r>
           </a:p>
           <a:p>
             <a:pPr>
               <a:buNone/>
             </a:pPr>
-            <a:endParaRPr lang="en-US" dirty="0" smtClean="0">
+            <a:endParaRPr lang="en-US" sz="3200" dirty="0" smtClean="0">
               <a:latin typeface="Trebuchet MS" pitchFamily="34" charset="0"/>
             </a:endParaRPr>
           </a:p>
@@ -5358,17 +5507,14 @@
               <a:buNone/>
             </a:pPr>
             <a:r>
-              <a:rPr lang="en-US" dirty="0" smtClean="0">
-                <a:latin typeface="Trebuchet MS" pitchFamily="34" charset="0"/>
-              </a:rPr>
-              <a:t>The veil can be taken off when we need strong identity</a:t>
-            </a:r>
-          </a:p>
-          <a:p>
-            <a:pPr>
-              <a:buNone/>
-            </a:pPr>
-            <a:endParaRPr lang="en-US" dirty="0" smtClean="0">
+              <a:rPr lang="en-US" sz="3200" dirty="0" smtClean="0">
+                <a:latin typeface="Trebuchet MS" pitchFamily="34" charset="0"/>
+              </a:rPr>
+              <a:t>You can resume using the veil when needed</a:t>
+            </a:r>
+          </a:p>
+          <a:p>
+            <a:endParaRPr lang="en-US" sz="3200" dirty="0" smtClean="0">
               <a:latin typeface="Trebuchet MS" pitchFamily="34" charset="0"/>
             </a:endParaRPr>
           </a:p>
@@ -5377,44 +5523,31 @@
               <a:buNone/>
             </a:pPr>
             <a:r>
-              <a:rPr lang="en-US" dirty="0" smtClean="0">
-                <a:latin typeface="Trebuchet MS" pitchFamily="34" charset="0"/>
-              </a:rPr>
-              <a:t>You can resume using the veil when </a:t>
-            </a:r>
-            <a:r>
-              <a:rPr lang="en-US" dirty="0" smtClean="0">
-                <a:latin typeface="Trebuchet MS" pitchFamily="34" charset="0"/>
-              </a:rPr>
-              <a:t>needed</a:t>
-            </a:r>
-            <a:endParaRPr lang="en-US" dirty="0" smtClean="0">
-              <a:latin typeface="Trebuchet MS" pitchFamily="34" charset="0"/>
-            </a:endParaRPr>
-          </a:p>
-          <a:p>
-            <a:endParaRPr lang="en-US" dirty="0" smtClean="0">
-              <a:latin typeface="Trebuchet MS" pitchFamily="34" charset="0"/>
-            </a:endParaRPr>
-          </a:p>
-          <a:p>
-            <a:pPr>
-              <a:buNone/>
-            </a:pPr>
-            <a:r>
-              <a:rPr lang="en-US" dirty="0" smtClean="0">
-                <a:latin typeface="Trebuchet MS" pitchFamily="34" charset="0"/>
-              </a:rPr>
-              <a:t>Your karma gets deducted if you behave badly even with veil</a:t>
-            </a:r>
-            <a:endParaRPr lang="de-DE" dirty="0"/>
+              <a:rPr lang="en-US" sz="3200" dirty="0" smtClean="0">
+                <a:latin typeface="Trebuchet MS" pitchFamily="34" charset="0"/>
+              </a:rPr>
+              <a:t>K</a:t>
+            </a:r>
+            <a:r>
+              <a:rPr lang="en-US" sz="3200" dirty="0" smtClean="0">
+                <a:latin typeface="Trebuchet MS" pitchFamily="34" charset="0"/>
+              </a:rPr>
+              <a:t>arma </a:t>
+            </a:r>
+            <a:r>
+              <a:rPr lang="en-US" sz="3200" dirty="0" smtClean="0">
+                <a:latin typeface="Trebuchet MS" pitchFamily="34" charset="0"/>
+              </a:rPr>
+              <a:t>gets deducted if you behave badly even with veil</a:t>
+            </a:r>
+            <a:endParaRPr lang="de-DE" sz="3200" dirty="0"/>
           </a:p>
         </p:txBody>
       </p:sp>
     </p:spTree>
     <p:extLst>
       <p:ext uri="{BB962C8B-B14F-4D97-AF65-F5344CB8AC3E}">
-        <p14:creationId xmlns:p14="http://schemas.microsoft.com/office/powerpoint/2010/main" xmlns="" val="4139908003"/>
+        <p14:creationId xmlns="" xmlns:p14="http://schemas.microsoft.com/office/powerpoint/2010/main" val="4139908003"/>
       </p:ext>
     </p:extLst>
   </p:cSld>
@@ -5488,7 +5621,9 @@
           </a:xfrm>
         </p:spPr>
         <p:txBody>
-          <a:bodyPr/>
+          <a:bodyPr>
+            <a:normAutofit lnSpcReduction="10000"/>
+          </a:bodyPr>
           <a:lstStyle/>
           <a:p>
             <a:pPr>
@@ -5503,30 +5638,17 @@
               <a:buNone/>
             </a:pPr>
             <a:r>
-              <a:rPr lang="de-DE" dirty="0" smtClean="0">
-                <a:latin typeface="Trebuchet MS" pitchFamily="34" charset="0"/>
-              </a:rPr>
-              <a:t>You are not a passive </a:t>
-            </a:r>
-            <a:r>
-              <a:rPr lang="de-DE" dirty="0" smtClean="0">
-                <a:latin typeface="Trebuchet MS" pitchFamily="34" charset="0"/>
-              </a:rPr>
-              <a:t>eyeball...  </a:t>
-            </a:r>
-            <a:r>
-              <a:rPr lang="de-DE" dirty="0" smtClean="0">
-                <a:latin typeface="Trebuchet MS" pitchFamily="34" charset="0"/>
-              </a:rPr>
-              <a:t>you can choose </a:t>
-            </a:r>
-            <a:r>
-              <a:rPr lang="de-DE" dirty="0" smtClean="0">
-                <a:latin typeface="Trebuchet MS" pitchFamily="34" charset="0"/>
-              </a:rPr>
-              <a:t>your ads!</a:t>
-            </a:r>
-            <a:endParaRPr lang="de-DE" dirty="0" smtClean="0">
+              <a:rPr lang="de-DE" sz="3200" dirty="0" smtClean="0">
+                <a:latin typeface="Trebuchet MS" pitchFamily="34" charset="0"/>
+              </a:rPr>
+              <a:t>You are not a passive eyeball...  you can choose your ads!</a:t>
+            </a:r>
+          </a:p>
+          <a:p>
+            <a:pPr>
+              <a:buNone/>
+            </a:pPr>
+            <a:endParaRPr lang="de-DE" sz="3200" dirty="0" smtClean="0">
               <a:latin typeface="Trebuchet MS" pitchFamily="34" charset="0"/>
             </a:endParaRPr>
           </a:p>
@@ -5534,7 +5656,18 @@
             <a:pPr>
               <a:buNone/>
             </a:pPr>
-            <a:endParaRPr lang="de-DE" dirty="0" smtClean="0">
+            <a:r>
+              <a:rPr lang="de-DE" sz="3200" dirty="0" smtClean="0">
+                <a:latin typeface="Trebuchet MS" pitchFamily="34" charset="0"/>
+              </a:rPr>
+              <a:t>Less waste for advertiser </a:t>
+            </a:r>
+          </a:p>
+          <a:p>
+            <a:pPr>
+              <a:buNone/>
+            </a:pPr>
+            <a:endParaRPr lang="de-DE" sz="3200" dirty="0" smtClean="0">
               <a:latin typeface="Trebuchet MS" pitchFamily="34" charset="0"/>
             </a:endParaRPr>
           </a:p>
@@ -5543,18 +5676,17 @@
               <a:buNone/>
             </a:pPr>
             <a:r>
-              <a:rPr lang="de-DE" dirty="0" smtClean="0">
-                <a:latin typeface="Trebuchet MS" pitchFamily="34" charset="0"/>
-              </a:rPr>
-              <a:t>Less waste for </a:t>
-            </a:r>
-            <a:r>
-              <a:rPr lang="de-DE" dirty="0" smtClean="0">
-                <a:latin typeface="Trebuchet MS" pitchFamily="34" charset="0"/>
-              </a:rPr>
-              <a:t>advertiser </a:t>
-            </a:r>
-            <a:endParaRPr lang="de-DE" dirty="0" smtClean="0">
+              <a:rPr lang="de-DE" sz="3200" dirty="0" smtClean="0">
+                <a:latin typeface="Trebuchet MS" pitchFamily="34" charset="0"/>
+              </a:rPr>
+              <a:t>Get paid with Karma for watching ads you like</a:t>
+            </a:r>
+          </a:p>
+          <a:p>
+            <a:pPr>
+              <a:buNone/>
+            </a:pPr>
+            <a:endParaRPr lang="de-DE" sz="3200" dirty="0" smtClean="0">
               <a:latin typeface="Trebuchet MS" pitchFamily="34" charset="0"/>
             </a:endParaRPr>
           </a:p>
@@ -5562,44 +5694,11 @@
             <a:pPr>
               <a:buNone/>
             </a:pPr>
-            <a:endParaRPr lang="de-DE" dirty="0" smtClean="0">
-              <a:latin typeface="Trebuchet MS" pitchFamily="34" charset="0"/>
-            </a:endParaRPr>
-          </a:p>
-          <a:p>
-            <a:pPr>
-              <a:buNone/>
-            </a:pPr>
-            <a:r>
-              <a:rPr lang="de-DE" dirty="0" smtClean="0">
-                <a:latin typeface="Trebuchet MS" pitchFamily="34" charset="0"/>
-              </a:rPr>
-              <a:t>Get paid with Karma for watching ads you like</a:t>
-            </a:r>
-          </a:p>
-          <a:p>
-            <a:pPr>
-              <a:buNone/>
-            </a:pPr>
-            <a:endParaRPr lang="de-DE" dirty="0" smtClean="0">
-              <a:latin typeface="Trebuchet MS" pitchFamily="34" charset="0"/>
-            </a:endParaRPr>
-          </a:p>
-          <a:p>
-            <a:pPr>
-              <a:buNone/>
-            </a:pPr>
-            <a:r>
-              <a:rPr lang="de-DE" dirty="0" smtClean="0">
-                <a:latin typeface="Trebuchet MS" pitchFamily="34" charset="0"/>
-              </a:rPr>
-              <a:t>Conclusion</a:t>
-            </a:r>
-            <a:r>
-              <a:rPr lang="de-DE" dirty="0" smtClean="0">
-                <a:latin typeface="Trebuchet MS" pitchFamily="34" charset="0"/>
-              </a:rPr>
-              <a:t>: Tetraplex has Better signal to noise ratio</a:t>
+            <a:r>
+              <a:rPr lang="de-DE" sz="3200" dirty="0" smtClean="0">
+                <a:latin typeface="Trebuchet MS" pitchFamily="34" charset="0"/>
+              </a:rPr>
+              <a:t>Conclusion: Tetraplex has Better signal to noise ratio</a:t>
             </a:r>
           </a:p>
           <a:p>
@@ -5655,7 +5754,7 @@
           <p:cNvPr id="2" name="Titel 1">
             <a:extLst>
               <a:ext uri="{FF2B5EF4-FFF2-40B4-BE49-F238E27FC236}">
-                <a16:creationId xmlns:a16="http://schemas.microsoft.com/office/drawing/2014/main" xmlns="" id="{D08A566F-4CA9-F7DF-ECEB-910A88862795}"/>
+                <a16:creationId xmlns="" xmlns:a16="http://schemas.microsoft.com/office/drawing/2014/main" id="{D08A566F-4CA9-F7DF-ECEB-910A88862795}"/>
               </a:ext>
             </a:extLst>
           </p:cNvPr>
@@ -5686,7 +5785,7 @@
           <p:cNvPr id="3" name="Inhaltsplatzhalter 2">
             <a:extLst>
               <a:ext uri="{FF2B5EF4-FFF2-40B4-BE49-F238E27FC236}">
-                <a16:creationId xmlns:a16="http://schemas.microsoft.com/office/drawing/2014/main" xmlns="" id="{FAC69121-968E-B939-3377-5335E9638EE8}"/>
+                <a16:creationId xmlns="" xmlns:a16="http://schemas.microsoft.com/office/drawing/2014/main" id="{FAC69121-968E-B939-3377-5335E9638EE8}"/>
               </a:ext>
             </a:extLst>
           </p:cNvPr>
@@ -5714,7 +5813,7 @@
           <p:cNvPr id="8" name="Inhaltsplatzhalter 2">
             <a:extLst>
               <a:ext uri="{FF2B5EF4-FFF2-40B4-BE49-F238E27FC236}">
-                <a16:creationId xmlns:a16="http://schemas.microsoft.com/office/drawing/2014/main" xmlns="" id="{FAC69121-968E-B939-3377-5335E9638EE8}"/>
+                <a16:creationId xmlns="" xmlns:a16="http://schemas.microsoft.com/office/drawing/2014/main" id="{FAC69121-968E-B939-3377-5335E9638EE8}"/>
               </a:ext>
             </a:extLst>
           </p:cNvPr>
@@ -5725,7 +5824,7 @@
         </p:nvSpPr>
         <p:spPr>
           <a:xfrm>
-            <a:off x="969264" y="1752600"/>
+            <a:off x="832104" y="2087880"/>
             <a:ext cx="10871200" cy="4495800"/>
           </a:xfrm>
           <a:prstGeom prst="rect">
@@ -5757,19 +5856,26 @@
               <a:tabLst/>
               <a:defRPr/>
             </a:pPr>
-            <a:endParaRPr kumimoji="0" lang="en-US" sz="2900" b="0" i="0" u="none" strike="noStrike" kern="1200" cap="none" spc="0" normalizeH="0" baseline="0" noProof="0" dirty="0" smtClean="0">
-              <a:ln>
-                <a:noFill/>
-              </a:ln>
-              <a:solidFill>
-                <a:schemeClr val="tx1"/>
-              </a:solidFill>
-              <a:effectLst/>
-              <a:uLnTx/>
-              <a:uFillTx/>
+            <a:r>
+              <a:rPr lang="en-US" sz="4000" dirty="0" smtClean="0">
+                <a:latin typeface="Trebuchet MS" pitchFamily="34" charset="0"/>
+              </a:rPr>
+              <a:t>More </a:t>
+            </a:r>
+            <a:r>
+              <a:rPr lang="en-US" sz="4000" dirty="0" smtClean="0">
+                <a:latin typeface="Trebuchet MS" pitchFamily="34" charset="0"/>
+              </a:rPr>
+              <a:t>open discussions even with your </a:t>
+            </a:r>
+            <a:r>
+              <a:rPr lang="en-US" sz="4000" dirty="0" smtClean="0">
+                <a:latin typeface="Trebuchet MS" pitchFamily="34" charset="0"/>
+              </a:rPr>
+              <a:t>boss</a:t>
+            </a:r>
+            <a:endParaRPr lang="en-US" sz="4000" dirty="0" smtClean="0">
               <a:latin typeface="Trebuchet MS" pitchFamily="34" charset="0"/>
-              <a:ea typeface="+mn-ea"/>
-              <a:cs typeface="+mn-cs"/>
             </a:endParaRPr>
           </a:p>
           <a:p>
@@ -5792,12 +5898,9 @@
               <a:tabLst/>
               <a:defRPr/>
             </a:pPr>
-            <a:r>
-              <a:rPr lang="en-US" sz="2900" dirty="0" smtClean="0">
-                <a:latin typeface="Trebuchet MS" pitchFamily="34" charset="0"/>
-              </a:rPr>
-              <a:t>More open discussions even with your boss or people</a:t>
-            </a:r>
+            <a:endParaRPr lang="en-US" sz="4000" dirty="0" smtClean="0">
+              <a:latin typeface="Trebuchet MS" pitchFamily="34" charset="0"/>
+            </a:endParaRPr>
           </a:p>
           <a:p>
             <a:pPr marL="320040" marR="0" lvl="0" indent="-320040" algn="l" defTabSz="914400" rtl="0" eaLnBrk="1" fontAlgn="auto" latinLnBrk="0" hangingPunct="1">
@@ -5819,9 +5922,12 @@
               <a:tabLst/>
               <a:defRPr/>
             </a:pPr>
-            <a:endParaRPr lang="en-US" sz="2900" dirty="0" smtClean="0">
-              <a:latin typeface="Trebuchet MS" pitchFamily="34" charset="0"/>
-            </a:endParaRPr>
+            <a:r>
+              <a:rPr lang="en-US" sz="4000" dirty="0" smtClean="0">
+                <a:latin typeface="Trebuchet MS" pitchFamily="34" charset="0"/>
+              </a:rPr>
+              <a:t>Talk with random people and bounce ideas</a:t>
+            </a:r>
           </a:p>
           <a:p>
             <a:pPr marL="320040" marR="0" lvl="0" indent="-320040" algn="l" defTabSz="914400" rtl="0" eaLnBrk="1" fontAlgn="auto" latinLnBrk="0" hangingPunct="1">
@@ -5843,12 +5949,20 @@
               <a:tabLst/>
               <a:defRPr/>
             </a:pPr>
-            <a:r>
-              <a:rPr lang="en-US" sz="2900" dirty="0" smtClean="0">
-                <a:latin typeface="Trebuchet MS" pitchFamily="34" charset="0"/>
-              </a:rPr>
-              <a:t>Talk with random people and bounce ideas</a:t>
-            </a:r>
+            <a:endParaRPr kumimoji="0" lang="en-US" sz="4000" b="0" i="0" u="none" strike="noStrike" kern="1200" cap="none" spc="0" normalizeH="0" baseline="0" noProof="0" dirty="0" smtClean="0">
+              <a:ln>
+                <a:noFill/>
+              </a:ln>
+              <a:solidFill>
+                <a:schemeClr val="tx1"/>
+              </a:solidFill>
+              <a:effectLst/>
+              <a:uLnTx/>
+              <a:uFillTx/>
+              <a:latin typeface="Trebuchet MS" pitchFamily="34" charset="0"/>
+              <a:ea typeface="+mn-ea"/>
+              <a:cs typeface="+mn-cs"/>
+            </a:endParaRPr>
           </a:p>
           <a:p>
             <a:pPr marL="320040" marR="0" lvl="0" indent="-320040" algn="l" defTabSz="914400" rtl="0" eaLnBrk="1" fontAlgn="auto" latinLnBrk="0" hangingPunct="1">
@@ -5870,20 +5984,18 @@
               <a:tabLst/>
               <a:defRPr/>
             </a:pPr>
-            <a:endParaRPr kumimoji="0" lang="en-US" sz="2900" b="0" i="0" u="none" strike="noStrike" kern="1200" cap="none" spc="0" normalizeH="0" baseline="0" noProof="0" dirty="0" smtClean="0">
-              <a:ln>
-                <a:noFill/>
-              </a:ln>
-              <a:solidFill>
-                <a:schemeClr val="tx1"/>
-              </a:solidFill>
-              <a:effectLst/>
-              <a:uLnTx/>
-              <a:uFillTx/>
-              <a:latin typeface="Trebuchet MS" pitchFamily="34" charset="0"/>
-              <a:ea typeface="+mn-ea"/>
-              <a:cs typeface="+mn-cs"/>
-            </a:endParaRPr>
+            <a:r>
+              <a:rPr lang="en-US" sz="4000" dirty="0" smtClean="0">
+                <a:latin typeface="Trebuchet MS" pitchFamily="34" charset="0"/>
+              </a:rPr>
+              <a:t>Idea generation via exchange and </a:t>
+            </a:r>
+            <a:r>
+              <a:rPr lang="en-US" sz="4000" dirty="0" smtClean="0">
+                <a:latin typeface="Trebuchet MS" pitchFamily="34" charset="0"/>
+              </a:rPr>
+              <a:t>synthesis</a:t>
+            </a:r>
           </a:p>
           <a:p>
             <a:pPr marL="320040" marR="0" lvl="0" indent="-320040" algn="l" defTabSz="914400" rtl="0" eaLnBrk="1" fontAlgn="auto" latinLnBrk="0" hangingPunct="1">
@@ -5906,12 +6018,18 @@
               <a:defRPr/>
             </a:pPr>
             <a:r>
-              <a:rPr lang="en-US" sz="2900" dirty="0" smtClean="0">
-                <a:latin typeface="Trebuchet MS" pitchFamily="34" charset="0"/>
-              </a:rPr>
-              <a:t>Idea generation via exchange and synthesis of opposites</a:t>
-            </a:r>
-            <a:endParaRPr kumimoji="0" lang="en-US" sz="2900" b="0" i="0" u="none" strike="noStrike" kern="1200" cap="none" spc="0" normalizeH="0" baseline="0" noProof="0" dirty="0" smtClean="0">
+              <a:rPr lang="en-US" sz="4000" dirty="0" smtClean="0">
+                <a:latin typeface="Trebuchet MS" pitchFamily="34" charset="0"/>
+              </a:rPr>
+              <a:t>of </a:t>
+            </a:r>
+            <a:r>
+              <a:rPr lang="en-US" sz="4000" dirty="0" smtClean="0">
+                <a:latin typeface="Trebuchet MS" pitchFamily="34" charset="0"/>
+              </a:rPr>
+              <a:t>opposites</a:t>
+            </a:r>
+            <a:endParaRPr kumimoji="0" lang="en-US" sz="4000" b="0" i="0" u="none" strike="noStrike" kern="1200" cap="none" spc="0" normalizeH="0" baseline="0" noProof="0" dirty="0" smtClean="0">
               <a:ln>
                 <a:noFill/>
               </a:ln>
@@ -5931,7 +6049,7 @@
     </p:spTree>
     <p:extLst>
       <p:ext uri="{BB962C8B-B14F-4D97-AF65-F5344CB8AC3E}">
-        <p14:creationId xmlns:p14="http://schemas.microsoft.com/office/powerpoint/2010/main" xmlns="" val="1747655176"/>
+        <p14:creationId xmlns="" xmlns:p14="http://schemas.microsoft.com/office/powerpoint/2010/main" val="1747655176"/>
       </p:ext>
     </p:extLst>
   </p:cSld>
@@ -5970,7 +6088,7 @@
           <p:cNvPr id="2" name="Titel 1">
             <a:extLst>
               <a:ext uri="{FF2B5EF4-FFF2-40B4-BE49-F238E27FC236}">
-                <a16:creationId xmlns:a16="http://schemas.microsoft.com/office/drawing/2014/main" xmlns="" id="{D08A566F-4CA9-F7DF-ECEB-910A88862795}"/>
+                <a16:creationId xmlns="" xmlns:a16="http://schemas.microsoft.com/office/drawing/2014/main" id="{D08A566F-4CA9-F7DF-ECEB-910A88862795}"/>
               </a:ext>
             </a:extLst>
           </p:cNvPr>
@@ -6001,7 +6119,7 @@
           <p:cNvPr id="3" name="Inhaltsplatzhalter 2">
             <a:extLst>
               <a:ext uri="{FF2B5EF4-FFF2-40B4-BE49-F238E27FC236}">
-                <a16:creationId xmlns:a16="http://schemas.microsoft.com/office/drawing/2014/main" xmlns="" id="{FAC69121-968E-B939-3377-5335E9638EE8}"/>
+                <a16:creationId xmlns="" xmlns:a16="http://schemas.microsoft.com/office/drawing/2014/main" id="{FAC69121-968E-B939-3377-5335E9638EE8}"/>
               </a:ext>
             </a:extLst>
           </p:cNvPr>
@@ -6029,7 +6147,7 @@
           <p:cNvPr id="8" name="Inhaltsplatzhalter 2">
             <a:extLst>
               <a:ext uri="{FF2B5EF4-FFF2-40B4-BE49-F238E27FC236}">
-                <a16:creationId xmlns:a16="http://schemas.microsoft.com/office/drawing/2014/main" xmlns="" id="{FAC69121-968E-B939-3377-5335E9638EE8}"/>
+                <a16:creationId xmlns="" xmlns:a16="http://schemas.microsoft.com/office/drawing/2014/main" id="{FAC69121-968E-B939-3377-5335E9638EE8}"/>
               </a:ext>
             </a:extLst>
           </p:cNvPr>
@@ -6108,19 +6226,13 @@
               <a:defRPr/>
             </a:pPr>
             <a:r>
-              <a:rPr lang="en-US" sz="2900" dirty="0" smtClean="0">
-                <a:latin typeface="Trebuchet MS" pitchFamily="34" charset="0"/>
-              </a:rPr>
-              <a:t>Discussion with </a:t>
-            </a:r>
-            <a:r>
-              <a:rPr lang="en-US" sz="2900" dirty="0" smtClean="0">
-                <a:latin typeface="Trebuchet MS" pitchFamily="34" charset="0"/>
-              </a:rPr>
-              <a:t>vei</a:t>
-            </a:r>
-            <a:r>
-              <a:rPr kumimoji="0" lang="en-US" sz="2900" b="0" i="0" u="none" strike="noStrike" kern="1200" cap="none" spc="0" normalizeH="0" baseline="0" noProof="0" dirty="0" smtClean="0">
+              <a:rPr lang="en-US" sz="3090" dirty="0" smtClean="0">
+                <a:latin typeface="Trebuchet MS" pitchFamily="34" charset="0"/>
+              </a:rPr>
+              <a:t>Discussion with vei</a:t>
+            </a:r>
+            <a:r>
+              <a:rPr kumimoji="0" lang="en-US" sz="3090" b="0" i="0" u="none" strike="noStrike" kern="1200" cap="none" spc="0" normalizeH="0" baseline="0" noProof="0" dirty="0" smtClean="0">
                 <a:ln>
                   <a:noFill/>
                 </a:ln>
@@ -6134,10 +6246,10 @@
                 <a:ea typeface="+mn-ea"/>
                 <a:cs typeface="+mn-cs"/>
               </a:rPr>
-              <a:t>l </a:t>
-            </a:r>
-            <a:r>
-              <a:rPr kumimoji="0" lang="en-US" sz="2900" b="0" i="0" u="none" strike="noStrike" kern="1200" cap="none" spc="0" normalizeH="0" baseline="0" noProof="0" dirty="0" smtClean="0">
+              <a:t>l on means you are judged</a:t>
+            </a:r>
+            <a:r>
+              <a:rPr kumimoji="0" lang="en-US" sz="3090" b="0" i="0" u="none" strike="noStrike" kern="1200" cap="none" spc="0" normalizeH="0" noProof="0" dirty="0" smtClean="0">
                 <a:ln>
                   <a:noFill/>
                 </a:ln>
@@ -6151,26 +6263,9 @@
                 <a:ea typeface="+mn-ea"/>
                 <a:cs typeface="+mn-cs"/>
               </a:rPr>
-              <a:t>on means you are judged</a:t>
-            </a:r>
-            <a:r>
-              <a:rPr kumimoji="0" lang="en-US" sz="2900" b="0" i="0" u="none" strike="noStrike" kern="1200" cap="none" spc="0" normalizeH="0" noProof="0" dirty="0" smtClean="0">
-                <a:ln>
-                  <a:noFill/>
-                </a:ln>
-                <a:solidFill>
-                  <a:schemeClr val="tx1"/>
-                </a:solidFill>
-                <a:effectLst/>
-                <a:uLnTx/>
-                <a:uFillTx/>
-                <a:latin typeface="Trebuchet MS" pitchFamily="34" charset="0"/>
-                <a:ea typeface="+mn-ea"/>
-                <a:cs typeface="+mn-cs"/>
-              </a:rPr>
               <a:t> by your ideas</a:t>
             </a:r>
-            <a:endParaRPr kumimoji="0" lang="en-US" sz="2900" b="0" i="0" u="none" strike="noStrike" kern="1200" cap="none" spc="0" normalizeH="0" baseline="0" noProof="0" dirty="0" smtClean="0">
+            <a:endParaRPr kumimoji="0" lang="en-US" sz="3090" b="0" i="0" u="none" strike="noStrike" kern="1200" cap="none" spc="0" normalizeH="0" baseline="0" noProof="0" dirty="0" smtClean="0">
               <a:ln>
                 <a:noFill/>
               </a:ln>
@@ -6205,7 +6300,7 @@
               <a:tabLst/>
               <a:defRPr/>
             </a:pPr>
-            <a:endParaRPr lang="en-US" sz="2900" dirty="0" smtClean="0">
+            <a:endParaRPr lang="en-US" sz="3090" dirty="0" smtClean="0">
               <a:latin typeface="Trebuchet MS" pitchFamily="34" charset="0"/>
             </a:endParaRPr>
           </a:p>
@@ -6230,16 +6325,10 @@
               <a:defRPr/>
             </a:pPr>
             <a:r>
-              <a:rPr lang="en-US" sz="2900" dirty="0" smtClean="0">
-                <a:latin typeface="Trebuchet MS" pitchFamily="34" charset="0"/>
-              </a:rPr>
-              <a:t>- More </a:t>
-            </a:r>
-            <a:r>
-              <a:rPr lang="en-US" sz="2900" dirty="0" smtClean="0">
-                <a:latin typeface="Trebuchet MS" pitchFamily="34" charset="0"/>
-              </a:rPr>
-              <a:t>open debates with the veil</a:t>
+              <a:rPr lang="en-US" sz="3090" dirty="0" smtClean="0">
+                <a:latin typeface="Trebuchet MS" pitchFamily="34" charset="0"/>
+              </a:rPr>
+              <a:t>- More open debates with the veil</a:t>
             </a:r>
           </a:p>
           <a:p>
@@ -6262,7 +6351,7 @@
               <a:tabLst/>
               <a:defRPr/>
             </a:pPr>
-            <a:endParaRPr kumimoji="0" lang="en-US" sz="2900" b="0" i="0" u="none" strike="noStrike" kern="1200" cap="none" spc="0" normalizeH="0" baseline="0" noProof="0" dirty="0" smtClean="0">
+            <a:endParaRPr kumimoji="0" lang="en-US" sz="3090" b="0" i="0" u="none" strike="noStrike" kern="1200" cap="none" spc="0" normalizeH="0" baseline="0" noProof="0" dirty="0" smtClean="0">
               <a:ln>
                 <a:noFill/>
               </a:ln>
@@ -6298,16 +6387,10 @@
               <a:defRPr/>
             </a:pPr>
             <a:r>
-              <a:rPr lang="en-US" sz="2900" dirty="0" smtClean="0">
-                <a:latin typeface="Trebuchet MS" pitchFamily="34" charset="0"/>
-              </a:rPr>
-              <a:t>- Better </a:t>
-            </a:r>
-            <a:r>
-              <a:rPr lang="en-US" sz="2900" dirty="0" smtClean="0">
-                <a:latin typeface="Trebuchet MS" pitchFamily="34" charset="0"/>
-              </a:rPr>
-              <a:t>and civil debates due to karma</a:t>
+              <a:rPr lang="en-US" sz="3090" dirty="0" smtClean="0">
+                <a:latin typeface="Trebuchet MS" pitchFamily="34" charset="0"/>
+              </a:rPr>
+              <a:t>- Better and civil debates due to karma</a:t>
             </a:r>
           </a:p>
           <a:p>
@@ -6330,7 +6413,7 @@
               <a:tabLst/>
               <a:defRPr/>
             </a:pPr>
-            <a:endParaRPr lang="en-US" sz="2900" dirty="0" smtClean="0">
+            <a:endParaRPr lang="en-US" sz="3090" dirty="0" smtClean="0">
               <a:latin typeface="Trebuchet MS" pitchFamily="34" charset="0"/>
             </a:endParaRPr>
           </a:p>
@@ -6355,16 +6438,10 @@
               <a:defRPr/>
             </a:pPr>
             <a:r>
-              <a:rPr lang="en-US" sz="2900" dirty="0" smtClean="0">
-                <a:latin typeface="Trebuchet MS" pitchFamily="34" charset="0"/>
-              </a:rPr>
-              <a:t>- Oxford </a:t>
-            </a:r>
-            <a:r>
-              <a:rPr lang="en-US" sz="2900" dirty="0" smtClean="0">
-                <a:latin typeface="Trebuchet MS" pitchFamily="34" charset="0"/>
-              </a:rPr>
-              <a:t>style debates and voting</a:t>
+              <a:rPr lang="en-US" sz="3090" dirty="0" smtClean="0">
+                <a:latin typeface="Trebuchet MS" pitchFamily="34" charset="0"/>
+              </a:rPr>
+              <a:t>- Oxford style debates and voting</a:t>
             </a:r>
           </a:p>
           <a:p>
@@ -6407,7 +6484,7 @@
     </p:spTree>
     <p:extLst>
       <p:ext uri="{BB962C8B-B14F-4D97-AF65-F5344CB8AC3E}">
-        <p14:creationId xmlns:p14="http://schemas.microsoft.com/office/powerpoint/2010/main" xmlns="" val="1747655176"/>
+        <p14:creationId xmlns="" xmlns:p14="http://schemas.microsoft.com/office/powerpoint/2010/main" val="1747655176"/>
       </p:ext>
     </p:extLst>
   </p:cSld>
